--- a/Mp1Presentation objective.pptx
+++ b/Mp1Presentation objective.pptx
@@ -5,7 +5,8 @@
     <p:sldMasterId id="2147483648" r:id="rId1"/>
   </p:sldMasterIdLst>
   <p:sldIdLst>
-    <p:sldId id="256" r:id="rId2"/>
+    <p:sldId id="257" r:id="rId2"/>
+    <p:sldId id="256" r:id="rId3"/>
   </p:sldIdLst>
   <p:sldSz cx="12192000" cy="6858000"/>
   <p:notesSz cx="6858000" cy="9144000"/>
@@ -104,6 +105,11 @@
       </a:defRPr>
     </a:lvl9pPr>
   </p:defaultTextStyle>
+  <p:extLst>
+    <p:ext uri="{EFAFB233-063F-42B5-8137-9DF3F51BA10A}">
+      <p15:sldGuideLst xmlns:p15="http://schemas.microsoft.com/office/powerpoint/2012/main"/>
+    </p:ext>
+  </p:extLst>
 </p:presentation>
 </file>
 
@@ -3323,6 +3329,72 @@
       </p:grpSpPr>
       <p:pic>
         <p:nvPicPr>
+          <p:cNvPr id="7" name="Picture 6" descr="Text&#10;&#10;Description automatically generated with medium confidence">
+            <a:extLst>
+              <a:ext uri="{FF2B5EF4-FFF2-40B4-BE49-F238E27FC236}">
+                <a16:creationId xmlns:a16="http://schemas.microsoft.com/office/drawing/2014/main" id="{84147E3C-A041-44FB-A8B1-A8BDBF6B9626}"/>
+              </a:ext>
+            </a:extLst>
+          </p:cNvPr>
+          <p:cNvPicPr>
+            <a:picLocks noChangeAspect="1"/>
+          </p:cNvPicPr>
+          <p:nvPr/>
+        </p:nvPicPr>
+        <p:blipFill>
+          <a:blip r:embed="rId2">
+            <a:extLst>
+              <a:ext uri="{28A0092B-C50C-407E-A947-70E740481C1C}">
+                <a14:useLocalDpi xmlns:a14="http://schemas.microsoft.com/office/drawing/2010/main" val="0"/>
+              </a:ext>
+            </a:extLst>
+          </a:blip>
+          <a:stretch>
+            <a:fillRect/>
+          </a:stretch>
+        </p:blipFill>
+        <p:spPr>
+          <a:xfrm>
+            <a:off x="1332527" y="888254"/>
+            <a:ext cx="9043113" cy="4571657"/>
+          </a:xfrm>
+          <a:prstGeom prst="rect">
+            <a:avLst/>
+          </a:prstGeom>
+        </p:spPr>
+      </p:pic>
+    </p:spTree>
+    <p:extLst>
+      <p:ext uri="{BB962C8B-B14F-4D97-AF65-F5344CB8AC3E}">
+        <p14:creationId xmlns:p14="http://schemas.microsoft.com/office/powerpoint/2010/main" val="1492263807"/>
+      </p:ext>
+    </p:extLst>
+  </p:cSld>
+  <p:clrMapOvr>
+    <a:masterClrMapping/>
+  </p:clrMapOvr>
+</p:sld>
+</file>
+
+<file path=ppt/slides/slide2.xml><?xml version="1.0" encoding="utf-8"?>
+<p:sld xmlns:a="http://schemas.openxmlformats.org/drawingml/2006/main" xmlns:r="http://schemas.openxmlformats.org/officeDocument/2006/relationships" xmlns:p="http://schemas.openxmlformats.org/presentationml/2006/main">
+  <p:cSld>
+    <p:spTree>
+      <p:nvGrpSpPr>
+        <p:cNvPr id="1" name=""/>
+        <p:cNvGrpSpPr/>
+        <p:nvPr/>
+      </p:nvGrpSpPr>
+      <p:grpSpPr>
+        <a:xfrm>
+          <a:off x="0" y="0"/>
+          <a:ext cx="0" cy="0"/>
+          <a:chOff x="0" y="0"/>
+          <a:chExt cx="0" cy="0"/>
+        </a:xfrm>
+      </p:grpSpPr>
+      <p:pic>
+        <p:nvPicPr>
           <p:cNvPr id="15" name="Picture 14" descr="A picture containing red, ceiling, colorful, wheel&#10;&#10;Description automatically generated">
             <a:extLst>
               <a:ext uri="{FF2B5EF4-FFF2-40B4-BE49-F238E27FC236}">
@@ -3424,17 +3496,6 @@
             <a:normAutofit/>
           </a:bodyPr>
           <a:lstStyle/>
-          <a:p>
-            <a:pPr algn="l"/>
-            <a:r>
-              <a:rPr lang="en-US" sz="2000" dirty="0">
-                <a:solidFill>
-                  <a:schemeClr val="bg1"/>
-                </a:solidFill>
-              </a:rPr>
-              <a:t>Objective</a:t>
-            </a:r>
-          </a:p>
           <a:p>
             <a:pPr marL="342900" indent="-342900" algn="l">
               <a:buFont typeface="Wingdings" panose="05000000000000000000" pitchFamily="2" charset="2"/>
